--- a/Presentation.pptx
+++ b/Presentation.pptx
@@ -124,6 +124,7 @@
   <p1510:revLst>
     <p1510:client id="{2633BB5A-63A6-42CF-84B2-AF4BD343A3F2}" v="131" dt="2022-01-27T21:31:37.450"/>
     <p1510:client id="{A5BCA7C9-8E9F-4ED8-B65C-72611ED1DFD4}" v="113" dt="2022-01-28T11:41:27.004"/>
+    <p1510:client id="{F147CA6A-4F04-49FE-A1CA-0847A3D0CAA7}" v="42" dt="2022-01-28T13:26:56.997"/>
   </p1510:revLst>
 </p1510:revInfo>
 </file>
@@ -3164,6 +3165,10 @@
             <a:endParaRPr lang="tr-TR" dirty="0"/>
           </a:p>
           <a:p>
+            <a:r>
+              <a:rPr lang="en-US" dirty="0"/>
+              <a:t>Emre Taşkın</a:t>
+            </a:r>
             <a:br>
               <a:rPr lang="en-US" dirty="0"/>
             </a:br>
@@ -3372,6 +3377,75 @@
           </a:custGeom>
         </p:spPr>
       </p:pic>
+      <p:pic>
+        <p:nvPicPr>
+          <p:cNvPr id="4" name="Resim 5">
+            <a:extLst>
+              <a:ext uri="{FF2B5EF4-FFF2-40B4-BE49-F238E27FC236}">
+                <a16:creationId xmlns:a16="http://schemas.microsoft.com/office/drawing/2014/main" id="{95006772-50C0-4B6D-853F-1C7B3B2F97CA}"/>
+              </a:ext>
+            </a:extLst>
+          </p:cNvPr>
+          <p:cNvPicPr>
+            <a:picLocks noChangeAspect="1"/>
+          </p:cNvPicPr>
+          <p:nvPr/>
+        </p:nvPicPr>
+        <p:blipFill>
+          <a:blip r:embed="rId3"/>
+          <a:stretch>
+            <a:fillRect/>
+          </a:stretch>
+        </p:blipFill>
+        <p:spPr>
+          <a:xfrm>
+            <a:off x="10744660" y="127051"/>
+            <a:ext cx="1100292" cy="1884415"/>
+          </a:xfrm>
+          <a:prstGeom prst="rect">
+            <a:avLst/>
+          </a:prstGeom>
+        </p:spPr>
+      </p:pic>
+      <p:sp>
+        <p:nvSpPr>
+          <p:cNvPr id="8" name="Metin kutusu 7">
+            <a:extLst>
+              <a:ext uri="{FF2B5EF4-FFF2-40B4-BE49-F238E27FC236}">
+                <a16:creationId xmlns:a16="http://schemas.microsoft.com/office/drawing/2014/main" id="{99B501D2-8426-41DF-BBEE-B76A2FCED444}"/>
+              </a:ext>
+            </a:extLst>
+          </p:cNvPr>
+          <p:cNvSpPr txBox="1"/>
+          <p:nvPr/>
+        </p:nvSpPr>
+        <p:spPr>
+          <a:xfrm>
+            <a:off x="4867275" y="3343274"/>
+            <a:ext cx="2743199" cy="369332"/>
+          </a:xfrm>
+          <a:prstGeom prst="rect">
+            <a:avLst/>
+          </a:prstGeom>
+          <a:noFill/>
+        </p:spPr>
+        <p:txBody>
+          <a:bodyPr rot="0" spcFirstLastPara="0" vertOverflow="overflow" horzOverflow="overflow" vert="horz" wrap="square" lIns="91440" tIns="45720" rIns="91440" bIns="45720" numCol="1" spcCol="0" rtlCol="0" fromWordArt="0" anchor="t" anchorCtr="0" forceAA="0" compatLnSpc="1">
+            <a:prstTxWarp prst="textNoShape">
+              <a:avLst/>
+            </a:prstTxWarp>
+            <a:spAutoFit/>
+          </a:bodyPr>
+          <a:lstStyle/>
+          <a:p>
+            <a:pPr algn="l"/>
+            <a:r>
+              <a:rPr lang="tr-TR"/>
+              <a:t>Metin eklemek için tıklayın</a:t>
+            </a:r>
+          </a:p>
+        </p:txBody>
+      </p:sp>
     </p:spTree>
     <p:extLst>
       <p:ext uri="{BB962C8B-B14F-4D97-AF65-F5344CB8AC3E}">
@@ -3591,12 +3665,12 @@
           <a:lstStyle/>
           <a:p>
             <a:r>
-              <a:rPr lang="tr-TR" sz="4000">
+              <a:rPr lang="tr-TR" sz="4000" b="1" dirty="0" err="1">
                 <a:cs typeface="Calibri Light"/>
               </a:rPr>
               <a:t>Goal-Motivation</a:t>
             </a:r>
-            <a:endParaRPr lang="tr-TR" sz="4000"/>
+            <a:endParaRPr lang="tr-TR" sz="4000" b="1" dirty="0" err="1"/>
           </a:p>
         </p:txBody>
       </p:sp>
@@ -4640,12 +4714,12 @@
           <a:lstStyle/>
           <a:p>
             <a:r>
-              <a:rPr lang="tr-TR" sz="4000">
+              <a:rPr lang="tr-TR" sz="4000" b="1" dirty="0">
                 <a:cs typeface="Calibri Light"/>
               </a:rPr>
               <a:t>Market Analysis</a:t>
             </a:r>
-            <a:endParaRPr lang="tr-TR" sz="4000"/>
+            <a:endParaRPr lang="tr-TR" sz="4000" b="1" dirty="0"/>
           </a:p>
         </p:txBody>
       </p:sp>
@@ -5541,12 +5615,12 @@
           <a:lstStyle/>
           <a:p>
             <a:r>
-              <a:rPr lang="tr-TR">
+              <a:rPr lang="tr-TR" b="1" dirty="0" err="1">
                 <a:cs typeface="Calibri Light"/>
               </a:rPr>
               <a:t>Benefits</a:t>
             </a:r>
-            <a:endParaRPr lang="tr-TR"/>
+            <a:endParaRPr lang="tr-TR" b="1" dirty="0" err="1"/>
           </a:p>
         </p:txBody>
       </p:sp>
@@ -5821,30 +5895,32 @@
           <a:lstStyle/>
           <a:p>
             <a:r>
-              <a:rPr lang="tr-TR" dirty="0" err="1">
+              <a:rPr lang="tr-TR" b="1" dirty="0" err="1">
                 <a:cs typeface="Calibri Light"/>
               </a:rPr>
               <a:t>Work</a:t>
             </a:r>
             <a:r>
-              <a:rPr lang="tr-TR" dirty="0">
+              <a:rPr lang="tr-TR" b="1" dirty="0">
                 <a:cs typeface="Calibri Light"/>
               </a:rPr>
               <a:t> done </a:t>
             </a:r>
             <a:r>
-              <a:rPr lang="tr-TR" dirty="0" err="1">
+              <a:rPr lang="tr-TR" b="1" dirty="0" err="1">
                 <a:cs typeface="Calibri Light"/>
               </a:rPr>
               <a:t>so</a:t>
             </a:r>
             <a:r>
-              <a:rPr lang="tr-TR" dirty="0">
+              <a:rPr lang="tr-TR" b="1" dirty="0">
                 <a:cs typeface="Calibri Light"/>
               </a:rPr>
               <a:t> far</a:t>
             </a:r>
-            <a:endParaRPr lang="tr-TR" dirty="0"/>
+            <a:endParaRPr lang="tr-TR" b="1">
+              <a:cs typeface="Calibri Light"/>
+            </a:endParaRPr>
           </a:p>
         </p:txBody>
       </p:sp>
@@ -7433,7 +7509,7 @@
           <a:p>
             <a:pPr algn="ctr"/>
             <a:r>
-              <a:rPr lang="en-US" sz="2600" kern="1200">
+              <a:rPr lang="en-US" sz="2600" b="1" kern="1200" dirty="0">
                 <a:solidFill>
                   <a:srgbClr val="FFFFFF"/>
                 </a:solidFill>
@@ -7443,6 +7519,13 @@
               </a:rPr>
               <a:t>Mobile App Prototype</a:t>
             </a:r>
+            <a:endParaRPr lang="en-US" sz="2600" b="1" kern="1200" dirty="0">
+              <a:solidFill>
+                <a:srgbClr val="FFFFFF"/>
+              </a:solidFill>
+              <a:latin typeface="+mj-lt"/>
+              <a:cs typeface="Calibri Light"/>
+            </a:endParaRPr>
           </a:p>
         </p:txBody>
       </p:sp>
@@ -7683,7 +7766,7 @@
           <a:p>
             <a:pPr algn="ctr"/>
             <a:r>
-              <a:rPr lang="en-US" sz="2600" kern="1200">
+              <a:rPr lang="en-US" sz="2600" b="1" kern="1200" dirty="0">
                 <a:solidFill>
                   <a:srgbClr val="FFFFFF"/>
                 </a:solidFill>
@@ -7693,6 +7776,13 @@
               </a:rPr>
               <a:t>Timeline</a:t>
             </a:r>
+            <a:endParaRPr lang="en-US" sz="2600" b="1" kern="1200" dirty="0">
+              <a:solidFill>
+                <a:srgbClr val="FFFFFF"/>
+              </a:solidFill>
+              <a:latin typeface="+mj-lt"/>
+              <a:cs typeface="Calibri Light"/>
+            </a:endParaRPr>
           </a:p>
         </p:txBody>
       </p:sp>
@@ -7994,13 +8084,19 @@
           <a:lstStyle/>
           <a:p>
             <a:r>
-              <a:rPr lang="en-US" sz="5400">
+              <a:rPr lang="en-US" sz="5400" b="1" dirty="0">
                 <a:solidFill>
                   <a:srgbClr val="FFFFFF"/>
                 </a:solidFill>
               </a:rPr>
               <a:t>Thank you for listening!</a:t>
             </a:r>
+            <a:endParaRPr lang="en-US" sz="5400" b="1" dirty="0">
+              <a:solidFill>
+                <a:srgbClr val="FFFFFF"/>
+              </a:solidFill>
+              <a:cs typeface="Calibri Light"/>
+            </a:endParaRPr>
           </a:p>
         </p:txBody>
       </p:sp>
